--- a/eric_presentation_dp.pptx
+++ b/eric_presentation_dp.pptx
@@ -110,6 +110,11 @@
       </a:defRPr>
     </a:lvl9pPr>
   </p:defaultTextStyle>
+  <p:extLst>
+    <p:ext uri="{EFAFB233-063F-42B5-8137-9DF3F51BA10A}">
+      <p15:sldGuideLst xmlns:p15="http://schemas.microsoft.com/office/powerpoint/2012/main"/>
+    </p:ext>
+  </p:extLst>
 </p:presentation>
 </file>
 
@@ -516,7 +521,7 @@
           <a:p>
             <a:fld id="{8B4AF60A-713C-41BA-9788-4C493DDC0A9C}" type="datetimeFigureOut">
               <a:rPr lang="en-US" dirty="0"/>
-              <a:t>4/15/2020</a:t>
+              <a:t>4/22/2020</a:t>
             </a:fld>
             <a:endParaRPr lang="en-US" dirty="0"/>
           </a:p>
@@ -691,7 +696,7 @@
           <a:p>
             <a:fld id="{7E5E0FA7-C445-42F7-AF66-A4F5A6FC8A9C}" type="datetimeFigureOut">
               <a:rPr lang="en-US" dirty="0"/>
-              <a:t>4/15/2020</a:t>
+              <a:t>4/22/2020</a:t>
             </a:fld>
             <a:endParaRPr lang="en-US" dirty="0"/>
           </a:p>
@@ -866,7 +871,7 @@
           <a:p>
             <a:fld id="{585AC5C5-1A57-4420-8AFB-CE41693A794B}" type="datetimeFigureOut">
               <a:rPr lang="en-US" dirty="0"/>
-              <a:t>4/15/2020</a:t>
+              <a:t>4/22/2020</a:t>
             </a:fld>
             <a:endParaRPr lang="en-US" dirty="0"/>
           </a:p>
@@ -1031,7 +1036,7 @@
           <a:p>
             <a:fld id="{8A4C08AF-84E6-4329-8E67-FEA434B47075}" type="datetimeFigureOut">
               <a:rPr lang="en-US" dirty="0"/>
-              <a:t>4/15/2020</a:t>
+              <a:t>4/22/2020</a:t>
             </a:fld>
             <a:endParaRPr lang="en-US" dirty="0"/>
           </a:p>
@@ -1339,7 +1344,7 @@
           <a:p>
             <a:fld id="{4F6EE328-6AFF-436B-881F-213D56084544}" type="datetimeFigureOut">
               <a:rPr lang="en-US" dirty="0"/>
-              <a:t>4/15/2020</a:t>
+              <a:t>4/22/2020</a:t>
             </a:fld>
             <a:endParaRPr lang="en-US" dirty="0"/>
           </a:p>
@@ -1721,7 +1726,7 @@
           <a:p>
             <a:fld id="{AE02069A-09EE-4C7C-86A4-2314A404921D}" type="datetimeFigureOut">
               <a:rPr lang="en-US" dirty="0"/>
-              <a:t>4/15/2020</a:t>
+              <a:t>4/22/2020</a:t>
             </a:fld>
             <a:endParaRPr lang="en-US" dirty="0"/>
           </a:p>
@@ -2150,7 +2155,7 @@
           <a:p>
             <a:fld id="{D56EE7F1-171E-411F-96CA-A251A21496E7}" type="datetimeFigureOut">
               <a:rPr lang="en-US" dirty="0"/>
-              <a:t>4/15/2020</a:t>
+              <a:t>4/22/2020</a:t>
             </a:fld>
             <a:endParaRPr lang="en-US" dirty="0"/>
           </a:p>
@@ -2263,7 +2268,7 @@
           <a:p>
             <a:fld id="{8872C98D-A273-4547-9B92-97D7769F71A6}" type="datetimeFigureOut">
               <a:rPr lang="en-US" dirty="0"/>
-              <a:t>4/15/2020</a:t>
+              <a:t>4/22/2020</a:t>
             </a:fld>
             <a:endParaRPr lang="en-US" dirty="0"/>
           </a:p>
@@ -2353,7 +2358,7 @@
           <a:p>
             <a:fld id="{BAB7CD67-0644-446C-B2AD-1C09BF34F286}" type="datetimeFigureOut">
               <a:rPr lang="en-US" dirty="0"/>
-              <a:t>4/15/2020</a:t>
+              <a:t>4/22/2020</a:t>
             </a:fld>
             <a:endParaRPr lang="en-US" dirty="0"/>
           </a:p>
@@ -2698,7 +2703,7 @@
           <a:p>
             <a:fld id="{81480828-6983-48AD-9E27-CBD3696F837E}" type="datetimeFigureOut">
               <a:rPr lang="en-US" dirty="0"/>
-              <a:t>4/15/2020</a:t>
+              <a:t>4/22/2020</a:t>
             </a:fld>
             <a:endParaRPr lang="en-US" dirty="0"/>
           </a:p>
@@ -3118,7 +3123,7 @@
           <a:p>
             <a:fld id="{2C5EFB91-0324-450E-B17F-36DC0ECCE413}" type="datetimeFigureOut">
               <a:rPr lang="en-US" dirty="0"/>
-              <a:t>4/15/2020</a:t>
+              <a:t>4/22/2020</a:t>
             </a:fld>
             <a:endParaRPr lang="en-US" dirty="0"/>
           </a:p>
@@ -3394,7 +3399,7 @@
           <a:p>
             <a:fld id="{52E37674-C1BA-4107-9B06-6D4CAC3A3DF5}" type="datetimeFigureOut">
               <a:rPr lang="en-US" dirty="0"/>
-              <a:t>4/15/2020</a:t>
+              <a:t>4/22/2020</a:t>
             </a:fld>
             <a:endParaRPr lang="en-US" dirty="0"/>
           </a:p>
@@ -5389,22 +5394,21 @@
             <p:ph idx="1"/>
           </p:nvPr>
         </p:nvSpPr>
-        <p:spPr/>
+        <p:spPr>
+          <a:xfrm>
+            <a:off x="1069848" y="1937857"/>
+            <a:ext cx="10058400" cy="4234343"/>
+          </a:xfrm>
+        </p:spPr>
         <p:txBody>
           <a:bodyPr>
-            <a:normAutofit/>
+            <a:normAutofit lnSpcReduction="10000"/>
           </a:bodyPr>
           <a:lstStyle/>
           <a:p>
             <a:r>
               <a:rPr lang="en-US" dirty="0"/>
-              <a:t>In dynamic programming, there are quite a few technique to achieve the wonders of dynamic programming.</a:t>
-            </a:r>
-          </a:p>
-          <a:p>
-            <a:r>
-              <a:rPr lang="en-US" dirty="0"/>
-              <a:t>TOP-DOWN: You can think of top-down approach as storing immediate result and caching them in a map.</a:t>
+              <a:t>You can think of top-down approach as storing immediate result and caching them in a map.</a:t>
             </a:r>
           </a:p>
           <a:p>
@@ -5425,7 +5429,13 @@
           <a:p>
             <a:r>
               <a:rPr lang="en-US" dirty="0"/>
-              <a:t>In this example we are using top-down approach, and you can think of top-down approach as memoization. And memoization is essentially storing compute value in some type of map and will not recompute value that are aren’t computed. This will not only speed up performance in your code, it will make your life easy.</a:t>
+              <a:t>In this example we are using top-down approach, and you can think of top-down approach as memoization. Memoization ensures that a function doesn’t run for the same inputs more than once by keeping a records of results for the given inputs. This will not only speed up performance in the code, but it will make your life easier.</a:t>
+            </a:r>
+          </a:p>
+          <a:p>
+            <a:r>
+              <a:rPr lang="en-US" dirty="0"/>
+              <a:t>Memoziation is a common strategy for dynamic programming problems, which are problems where the solution is composed of solutions to the same problem with smaller inputs.</a:t>
             </a:r>
           </a:p>
         </p:txBody>
@@ -5446,7 +5456,7 @@
         </p:nvSpPr>
         <p:spPr bwMode="auto">
           <a:xfrm>
-            <a:off x="2978093" y="3902251"/>
+            <a:off x="1610686" y="2905834"/>
             <a:ext cx="8970628" cy="861774"/>
           </a:xfrm>
           <a:prstGeom prst="rect">
@@ -5908,10 +5918,15 @@
             <p:ph idx="1"/>
           </p:nvPr>
         </p:nvSpPr>
-        <p:spPr/>
+        <p:spPr>
+          <a:xfrm>
+            <a:off x="1069848" y="2121408"/>
+            <a:ext cx="10058400" cy="4251960"/>
+          </a:xfrm>
+        </p:spPr>
         <p:txBody>
           <a:bodyPr>
-            <a:normAutofit fontScale="92500" lnSpcReduction="20000"/>
+            <a:normAutofit fontScale="85000" lnSpcReduction="20000"/>
           </a:bodyPr>
           <a:lstStyle/>
           <a:p>
@@ -5954,7 +5969,28 @@
               <a:rPr lang="en-US" dirty="0"/>
               <a:t>approach, we calculate the smaller values of fib first, then build larger values from them. This method also uses O(n) time since it contains repeats n – 1 times, but it will only take constant (O(1)) space, in contrast to the top-down approach which requires O(n) space to store the map.</a:t>
             </a:r>
-            <a:endParaRPr lang="en-US" b="1" dirty="0"/>
+          </a:p>
+          <a:p>
+            <a:r>
+              <a:rPr lang="en-US" dirty="0"/>
+              <a:t>Going </a:t>
+            </a:r>
+            <a:r>
+              <a:rPr lang="en-US" b="1" dirty="0"/>
+              <a:t>bottom-up</a:t>
+            </a:r>
+            <a:r>
+              <a:rPr lang="en-US" dirty="0"/>
+              <a:t> is a way to avoid recursion, saving the memory cost that recursion incurs when it builds up the </a:t>
+            </a:r>
+            <a:r>
+              <a:rPr lang="en-US" b="1" dirty="0"/>
+              <a:t>call stack</a:t>
+            </a:r>
+            <a:r>
+              <a:rPr lang="en-US" dirty="0"/>
+              <a:t>.</a:t>
+            </a:r>
           </a:p>
         </p:txBody>
       </p:sp>
@@ -5974,7 +6010,7 @@
         </p:nvSpPr>
         <p:spPr bwMode="auto">
           <a:xfrm>
-            <a:off x="2986480" y="3012415"/>
+            <a:off x="2878821" y="2878191"/>
             <a:ext cx="6434357" cy="1631216"/>
           </a:xfrm>
           <a:prstGeom prst="rect">
@@ -6909,13 +6945,8 @@
           <a:p>
             <a:r>
               <a:rPr lang="en-US" dirty="0"/>
-              <a:t>In most dynamic programming question they are usually done in recursive solution, meaning it will call itself multiple time to solve its sub </a:t>
-            </a:r>
-            <a:r>
-              <a:rPr lang="en-US"/>
-              <a:t>problems.</a:t>
-            </a:r>
-            <a:endParaRPr lang="en-US" dirty="0"/>
+              <a:t>In most dynamic programming question are usually done in recursive solution, meaning it will call itself multiple time to solve its sub problems. </a:t>
+            </a:r>
           </a:p>
         </p:txBody>
       </p:sp>
